--- a/an/state.pptx
+++ b/an/state.pptx
@@ -264,7 +264,7 @@
           <a:p>
             <a:fld id="{CDE81EE0-69D5-4D9E-AB05-19F21D926862}" type="datetimeFigureOut">
               <a:rPr lang="en-GB" smtClean="0"/>
-              <a:t>15/05/2025</a:t>
+              <a:t>16/05/2025</a:t>
             </a:fld>
             <a:endParaRPr lang="en-GB"/>
           </a:p>
@@ -464,7 +464,7 @@
           <a:p>
             <a:fld id="{CDE81EE0-69D5-4D9E-AB05-19F21D926862}" type="datetimeFigureOut">
               <a:rPr lang="en-GB" smtClean="0"/>
-              <a:t>15/05/2025</a:t>
+              <a:t>16/05/2025</a:t>
             </a:fld>
             <a:endParaRPr lang="en-GB"/>
           </a:p>
@@ -674,7 +674,7 @@
           <a:p>
             <a:fld id="{CDE81EE0-69D5-4D9E-AB05-19F21D926862}" type="datetimeFigureOut">
               <a:rPr lang="en-GB" smtClean="0"/>
-              <a:t>15/05/2025</a:t>
+              <a:t>16/05/2025</a:t>
             </a:fld>
             <a:endParaRPr lang="en-GB"/>
           </a:p>
@@ -874,7 +874,7 @@
           <a:p>
             <a:fld id="{CDE81EE0-69D5-4D9E-AB05-19F21D926862}" type="datetimeFigureOut">
               <a:rPr lang="en-GB" smtClean="0"/>
-              <a:t>15/05/2025</a:t>
+              <a:t>16/05/2025</a:t>
             </a:fld>
             <a:endParaRPr lang="en-GB"/>
           </a:p>
@@ -1150,7 +1150,7 @@
           <a:p>
             <a:fld id="{CDE81EE0-69D5-4D9E-AB05-19F21D926862}" type="datetimeFigureOut">
               <a:rPr lang="en-GB" smtClean="0"/>
-              <a:t>15/05/2025</a:t>
+              <a:t>16/05/2025</a:t>
             </a:fld>
             <a:endParaRPr lang="en-GB"/>
           </a:p>
@@ -1418,7 +1418,7 @@
           <a:p>
             <a:fld id="{CDE81EE0-69D5-4D9E-AB05-19F21D926862}" type="datetimeFigureOut">
               <a:rPr lang="en-GB" smtClean="0"/>
-              <a:t>15/05/2025</a:t>
+              <a:t>16/05/2025</a:t>
             </a:fld>
             <a:endParaRPr lang="en-GB"/>
           </a:p>
@@ -1833,7 +1833,7 @@
           <a:p>
             <a:fld id="{CDE81EE0-69D5-4D9E-AB05-19F21D926862}" type="datetimeFigureOut">
               <a:rPr lang="en-GB" smtClean="0"/>
-              <a:t>15/05/2025</a:t>
+              <a:t>16/05/2025</a:t>
             </a:fld>
             <a:endParaRPr lang="en-GB"/>
           </a:p>
@@ -1975,7 +1975,7 @@
           <a:p>
             <a:fld id="{CDE81EE0-69D5-4D9E-AB05-19F21D926862}" type="datetimeFigureOut">
               <a:rPr lang="en-GB" smtClean="0"/>
-              <a:t>15/05/2025</a:t>
+              <a:t>16/05/2025</a:t>
             </a:fld>
             <a:endParaRPr lang="en-GB"/>
           </a:p>
@@ -2088,7 +2088,7 @@
           <a:p>
             <a:fld id="{CDE81EE0-69D5-4D9E-AB05-19F21D926862}" type="datetimeFigureOut">
               <a:rPr lang="en-GB" smtClean="0"/>
-              <a:t>15/05/2025</a:t>
+              <a:t>16/05/2025</a:t>
             </a:fld>
             <a:endParaRPr lang="en-GB"/>
           </a:p>
@@ -2401,7 +2401,7 @@
           <a:p>
             <a:fld id="{CDE81EE0-69D5-4D9E-AB05-19F21D926862}" type="datetimeFigureOut">
               <a:rPr lang="en-GB" smtClean="0"/>
-              <a:t>15/05/2025</a:t>
+              <a:t>16/05/2025</a:t>
             </a:fld>
             <a:endParaRPr lang="en-GB"/>
           </a:p>
@@ -2690,7 +2690,7 @@
           <a:p>
             <a:fld id="{CDE81EE0-69D5-4D9E-AB05-19F21D926862}" type="datetimeFigureOut">
               <a:rPr lang="en-GB" smtClean="0"/>
-              <a:t>15/05/2025</a:t>
+              <a:t>16/05/2025</a:t>
             </a:fld>
             <a:endParaRPr lang="en-GB"/>
           </a:p>
@@ -2933,7 +2933,7 @@
           <a:p>
             <a:fld id="{CDE81EE0-69D5-4D9E-AB05-19F21D926862}" type="datetimeFigureOut">
               <a:rPr lang="en-GB" smtClean="0"/>
-              <a:t>15/05/2025</a:t>
+              <a:t>16/05/2025</a:t>
             </a:fld>
             <a:endParaRPr lang="en-GB"/>
           </a:p>
@@ -8673,6 +8673,54 @@
             <a:r>
               <a:rPr lang="en-US" sz="1000" dirty="0" err="1"/>
               <a:t>đời</a:t>
+            </a:r>
+            <a:endParaRPr lang="en-GB" sz="1000" dirty="0"/>
+          </a:p>
+        </p:txBody>
+      </p:sp>
+      <p:sp>
+        <p:nvSpPr>
+          <p:cNvPr id="2" name="TextBox 1">
+            <a:extLst>
+              <a:ext uri="{FF2B5EF4-FFF2-40B4-BE49-F238E27FC236}">
+                <a16:creationId xmlns:a16="http://schemas.microsoft.com/office/drawing/2014/main" id="{6A5C2422-70D2-C5BF-D9BE-8C3541690AD6}"/>
+              </a:ext>
+            </a:extLst>
+          </p:cNvPr>
+          <p:cNvSpPr txBox="1"/>
+          <p:nvPr/>
+        </p:nvSpPr>
+        <p:spPr>
+          <a:xfrm>
+            <a:off x="9724031" y="2154125"/>
+            <a:ext cx="1225404" cy="246221"/>
+          </a:xfrm>
+          <a:prstGeom prst="rect">
+            <a:avLst/>
+          </a:prstGeom>
+          <a:noFill/>
+        </p:spPr>
+        <p:txBody>
+          <a:bodyPr wrap="square" rtlCol="0">
+            <a:spAutoFit/>
+          </a:bodyPr>
+          <a:lstStyle/>
+          <a:p>
+            <a:r>
+              <a:rPr lang="en-GB" sz="1000" dirty="0"/>
+              <a:t>Người </a:t>
+            </a:r>
+            <a:r>
+              <a:rPr lang="en-GB" sz="1000" dirty="0" err="1"/>
+              <a:t>dùng</a:t>
+            </a:r>
+            <a:r>
+              <a:rPr lang="en-GB" sz="1000" dirty="0"/>
+              <a:t> </a:t>
+            </a:r>
+            <a:r>
+              <a:rPr lang="en-GB" sz="1000" dirty="0" err="1"/>
+              <a:t>xóa</a:t>
             </a:r>
             <a:endParaRPr lang="en-GB" sz="1000" dirty="0"/>
           </a:p>
